--- a/CA1 - DEP - Charles Rocha - 2021376.pptx
+++ b/CA1 - DEP - Charles Rocha - 2021376.pptx
@@ -240,7 +240,7 @@
             <a:srgbClr val="A4A3A4"/>
           </p15:clr>
         </p15:guide>
-        <p15:guide id="9" pos="600" userDrawn="1">
+        <p15:guide id="9" pos="624" userDrawn="1">
           <p15:clr>
             <a:srgbClr val="A4A3A4"/>
           </p15:clr>
@@ -255,7 +255,7 @@
             <a:srgbClr val="A4A3A4"/>
           </p15:clr>
         </p15:guide>
-        <p15:guide id="12" pos="9518" userDrawn="1">
+        <p15:guide id="12" pos="9494" userDrawn="1">
           <p15:clr>
             <a:srgbClr val="A4A3A4"/>
           </p15:clr>
@@ -5005,7 +5005,7 @@
         <p:spPr>
           <a:xfrm>
             <a:off x="401320" y="9525000"/>
-            <a:ext cx="13100050" cy="3759200"/>
+            <a:ext cx="13497560" cy="2203450"/>
           </a:xfrm>
           <a:prstGeom prst="rect">
             <a:avLst/>
@@ -5017,7 +5017,7 @@
         </p:spPr>
         <p:txBody>
           <a:bodyPr>
-            <a:spAutoFit/>
+            <a:noAutofit/>
           </a:bodyPr>
           <a:p>
             <a:pPr indent="457200" algn="just" defTabSz="916305" eaLnBrk="1" hangingPunct="1">
@@ -5062,56 +5062,6 @@
             </a:pPr>
             <a:endParaRPr lang="en-GB" altLang="en-US" sz="3600" dirty="0">
               <a:latin typeface="Helvetica" charset="0"/>
-            </a:endParaRPr>
-          </a:p>
-        </p:txBody>
-      </p:sp>
-      <p:sp>
-        <p:nvSpPr>
-          <p:cNvPr id="3082" name="Rectangle 20"/>
-          <p:cNvSpPr/>
-          <p:nvPr/>
-        </p:nvSpPr>
-        <p:spPr>
-          <a:xfrm>
-            <a:off x="14561820" y="26681430"/>
-            <a:ext cx="12787313" cy="517525"/>
-          </a:xfrm>
-          <a:prstGeom prst="rect">
-            <a:avLst/>
-          </a:prstGeom>
-          <a:noFill/>
-          <a:ln w="9525">
-            <a:noFill/>
-          </a:ln>
-        </p:spPr>
-        <p:txBody>
-          <a:bodyPr>
-            <a:spAutoFit/>
-          </a:bodyPr>
-          <a:p>
-            <a:pPr eaLnBrk="1" hangingPunct="1">
-              <a:lnSpc>
-                <a:spcPts val="3400"/>
-              </a:lnSpc>
-            </a:pPr>
-            <a:r>
-              <a:rPr lang="en-GB" altLang="en-US" sz="2400" b="1" dirty="0">
-                <a:latin typeface="Arial" panose="020B0604020202020204" pitchFamily="34" charset="0"/>
-                <a:cs typeface="Arial" panose="020B0604020202020204" pitchFamily="34" charset="0"/>
-              </a:rPr>
-              <a:t>Fig. 1 </a:t>
-            </a:r>
-            <a:r>
-              <a:rPr lang="en-GB" altLang="en-US" sz="2400" dirty="0">
-                <a:latin typeface="Arial" panose="020B0604020202020204" pitchFamily="34" charset="0"/>
-                <a:cs typeface="Arial" panose="020B0604020202020204" pitchFamily="34" charset="0"/>
-              </a:rPr>
-              <a:t>Caption size 24pt Arial and exactly 34pt space between lines</a:t>
-            </a:r>
-            <a:endParaRPr lang="en-GB" altLang="en-US" sz="2400" dirty="0">
-              <a:latin typeface="Arial" panose="020B0604020202020204" pitchFamily="34" charset="0"/>
-              <a:ea typeface="Arial" panose="020B0604020202020204" pitchFamily="34" charset="0"/>
             </a:endParaRPr>
           </a:p>
         </p:txBody>
@@ -5245,7 +5195,7 @@
               <a:t>Rapha</a:t>
             </a:r>
             <a:r>
-              <a:rPr lang="" altLang="en-US" sz="1500" dirty="0">
+              <a:rPr lang="en-US" altLang="en-US" sz="1500" dirty="0">
                 <a:solidFill>
                   <a:schemeClr val="bg1"/>
                 </a:solidFill>
@@ -5267,7 +5217,7 @@
               <a:t>lle Rafin, Nabamallika Dehingia, Juncal Plazaola-Castaño and Raj, A. (2024). Rapid surveys on violence against women in crisis contexts: decision-making guidance based on the UN Women Rapid Gender Assessment surveys on violence against women during COVID-19. The Lancet Global Health, [online] 12(11), pp.e1899–e1904. doi:https://doi.org/10.1016/s2214-109x(24)00278-x. (Rapha</a:t>
             </a:r>
             <a:r>
-              <a:rPr lang="" altLang="en-US" sz="1500" dirty="0">
+              <a:rPr lang="en-US" altLang="en-US" sz="1500" dirty="0">
                 <a:solidFill>
                   <a:schemeClr val="bg1"/>
                 </a:solidFill>
@@ -5389,8 +5339,8 @@
         </p:nvSpPr>
         <p:spPr>
           <a:xfrm>
-            <a:off x="28917900" y="18700750"/>
-            <a:ext cx="12886055" cy="1106805"/>
+            <a:off x="29651325" y="19949795"/>
+            <a:ext cx="9178290" cy="1106805"/>
           </a:xfrm>
           <a:prstGeom prst="rect">
             <a:avLst/>
@@ -5401,7 +5351,7 @@
           </a:ln>
         </p:spPr>
         <p:txBody>
-          <a:bodyPr>
+          <a:bodyPr wrap="square">
             <a:spAutoFit/>
           </a:bodyPr>
           <a:p>
@@ -5451,8 +5401,8 @@
         </p:nvSpPr>
         <p:spPr>
           <a:xfrm>
-            <a:off x="14561820" y="4652963"/>
-            <a:ext cx="12936538" cy="2014855"/>
+            <a:off x="14561820" y="4653280"/>
+            <a:ext cx="14284960" cy="2014855"/>
           </a:xfrm>
           <a:prstGeom prst="rect">
             <a:avLst/>
@@ -5463,7 +5413,7 @@
           </a:ln>
         </p:spPr>
         <p:txBody>
-          <a:bodyPr>
+          <a:bodyPr wrap="square">
             <a:spAutoFit/>
           </a:bodyPr>
           <a:p>
@@ -5676,28 +5626,7 @@
                 </a:solidFill>
                 <a:sym typeface="+mn-ea"/>
               </a:rPr>
-              <a:t>    	                      									     </a:t>
-            </a:r>
-            <a:r>
-              <a:rPr lang="en-IE" altLang="pt-BR" sz="4000" b="1" dirty="0">
-                <a:solidFill>
-                  <a:schemeClr val="bg1"/>
-                </a:solidFill>
-                <a:highlight>
-                  <a:srgbClr val="FFFF00"/>
-                </a:highlight>
-                <a:sym typeface="+mn-ea"/>
-              </a:rPr>
-              <a:t>Word count: ?00</a:t>
-            </a:r>
-            <a:r>
-              <a:rPr lang="en-IE" altLang="pt-BR" sz="4000" b="1" dirty="0">
-                <a:solidFill>
-                  <a:schemeClr val="bg1"/>
-                </a:solidFill>
-                <a:sym typeface="+mn-ea"/>
-              </a:rPr>
-              <a:t>                                                        </a:t>
+              <a:t>    	                      									                                                             </a:t>
             </a:r>
             <a:r>
               <a:rPr lang="en-GB" altLang="en-US" sz="4000" b="1" dirty="0">
@@ -5893,8 +5822,8 @@
         </p:nvSpPr>
         <p:spPr>
           <a:xfrm>
-            <a:off x="28917900" y="19949795"/>
-            <a:ext cx="13651230" cy="2540"/>
+            <a:off x="29651325" y="21290915"/>
+            <a:ext cx="12936220" cy="635"/>
           </a:xfrm>
           <a:prstGeom prst="line">
             <a:avLst/>
@@ -6021,7 +5950,7 @@
         </p:nvSpPr>
         <p:spPr>
           <a:xfrm>
-            <a:off x="14254480" y="19952335"/>
+            <a:off x="14712950" y="21262340"/>
             <a:ext cx="13244195" cy="26035"/>
           </a:xfrm>
           <a:prstGeom prst="line">
@@ -6144,7 +6073,7 @@
         </p:nvSpPr>
         <p:spPr>
           <a:xfrm>
-            <a:off x="14254480" y="18506440"/>
+            <a:off x="14561820" y="19952335"/>
             <a:ext cx="13879195" cy="1106805"/>
           </a:xfrm>
           <a:prstGeom prst="rect">
@@ -6325,7 +6254,7 @@
         </p:nvSpPr>
         <p:spPr>
           <a:xfrm>
-            <a:off x="21845905" y="20711160"/>
+            <a:off x="22074505" y="21939885"/>
             <a:ext cx="5882640" cy="4872355"/>
           </a:xfrm>
           <a:prstGeom prst="rect">
@@ -6435,7 +6364,7 @@
             <a:spAutoFit/>
           </a:bodyPr>
           <a:p>
-            <a:pPr indent="457200" defTabSz="916305" eaLnBrk="1" hangingPunct="1">
+            <a:pPr indent="457200" algn="l" defTabSz="916305" eaLnBrk="1" hangingPunct="1">
               <a:lnSpc>
                 <a:spcPts val="5000"/>
               </a:lnSpc>
@@ -6444,12 +6373,24 @@
               </a:spcBef>
             </a:pPr>
             <a:r>
+              <a:rPr lang="en-IE" altLang="en-US" sz="3600" dirty="0">
+                <a:latin typeface="Helvetica" charset="0"/>
+              </a:rPr>
+              <a:t>L</a:t>
+            </a:r>
+            <a:r>
               <a:rPr lang="en-US" altLang="en-US" sz="3600" dirty="0">
                 <a:latin typeface="Helvetica" charset="0"/>
               </a:rPr>
-              <a:t>Regions with weaker institutions and lower education levels showed higher violence rates. Economic factors strongly correlate with violence types.</a:t>
-            </a:r>
-            <a:endParaRPr lang="en-GB" altLang="en-US" sz="3600" dirty="0">
+              <a:t>ower education levels showed higher violence rates. </a:t>
+            </a:r>
+            <a:r>
+              <a:rPr lang="en-IE" altLang="en-US" sz="3600" dirty="0">
+                <a:latin typeface="Helvetica" charset="0"/>
+              </a:rPr>
+              <a:t>Surprisingly, women showed more agreement in violence than men.</a:t>
+            </a:r>
+            <a:endParaRPr lang="en-IE" altLang="en-US" sz="3600" dirty="0">
               <a:latin typeface="Helvetica" charset="0"/>
             </a:endParaRPr>
           </a:p>
@@ -6463,8 +6404,8 @@
         </p:nvSpPr>
         <p:spPr>
           <a:xfrm>
-            <a:off x="28918535" y="20726400"/>
-            <a:ext cx="13450570" cy="672465"/>
+            <a:off x="29431615" y="21746210"/>
+            <a:ext cx="12936220" cy="3846830"/>
           </a:xfrm>
           <a:prstGeom prst="rect">
             <a:avLst/>
@@ -6479,7 +6420,7 @@
             <a:noAutofit/>
           </a:bodyPr>
           <a:p>
-            <a:pPr defTabSz="916305" eaLnBrk="1" hangingPunct="1">
+            <a:pPr indent="457200" algn="just" defTabSz="916305" eaLnBrk="1" hangingPunct="1">
               <a:lnSpc>
                 <a:spcPts val="5000"/>
               </a:lnSpc>
@@ -6488,10 +6429,28 @@
               </a:spcBef>
             </a:pPr>
             <a:r>
+              <a:rPr lang="en-US" altLang="en-US" sz="3600" dirty="0">
+                <a:latin typeface="Helvetica" charset="0"/>
+              </a:rPr>
+              <a:t>Violence against women is devastating, but in the countries and contexts where the research was conducted, there </a:t>
+            </a:r>
+            <a:r>
+              <a:rPr lang="pt-BR" altLang="en-US" sz="3600" dirty="0">
+                <a:latin typeface="Helvetica" charset="0"/>
+              </a:rPr>
+              <a:t>wa</a:t>
+            </a:r>
+            <a:r>
+              <a:rPr lang="en-US" altLang="en-US" sz="3600" dirty="0">
+                <a:latin typeface="Helvetica" charset="0"/>
+              </a:rPr>
+              <a:t>s a significant number of people who do not see a problem with it. It is worth mentioning that the more educated people are, the lower the agreement rates, showing greater empathy and awareness.</a:t>
+            </a:r>
+            <a:r>
               <a:rPr lang="en-GB" altLang="en-US" sz="3600" dirty="0">
                 <a:latin typeface="Helvetica" charset="0"/>
               </a:rPr>
-              <a:t>Text size 36pt Arial and exactly 50pt space between lines</a:t>
+              <a:t> </a:t>
             </a:r>
             <a:endParaRPr lang="en-GB" altLang="en-US" sz="3600" dirty="0">
               <a:latin typeface="Helvetica" charset="0"/>
@@ -6515,7 +6474,7 @@
         </p:blipFill>
         <p:spPr>
           <a:xfrm>
-            <a:off x="29432250" y="13157200"/>
+            <a:off x="29432250" y="12799695"/>
             <a:ext cx="8422407" cy="4680000"/>
           </a:xfrm>
           <a:prstGeom prst="rect">
@@ -6587,7 +6546,7 @@
         </p:blipFill>
         <p:spPr>
           <a:xfrm>
-            <a:off x="14254480" y="20711795"/>
+            <a:off x="14255115" y="21536025"/>
             <a:ext cx="7590993" cy="5400000"/>
           </a:xfrm>
           <a:prstGeom prst="rect">
@@ -6611,7 +6570,7 @@
         </p:blipFill>
         <p:spPr>
           <a:xfrm>
-            <a:off x="401955" y="12220575"/>
+            <a:off x="989965" y="11804650"/>
             <a:ext cx="4573665" cy="3600000"/>
           </a:xfrm>
           <a:prstGeom prst="rect">
@@ -6635,8 +6594,8 @@
         </p:blipFill>
         <p:spPr>
           <a:xfrm>
-            <a:off x="401320" y="16393795"/>
-            <a:ext cx="5162550" cy="3219450"/>
+            <a:off x="989965" y="15820390"/>
+            <a:ext cx="5772780" cy="3600000"/>
           </a:xfrm>
           <a:prstGeom prst="rect">
             <a:avLst/>
@@ -6659,7 +6618,7 @@
         </p:blipFill>
         <p:spPr>
           <a:xfrm>
-            <a:off x="29693235" y="7124700"/>
+            <a:off x="29432250" y="7124700"/>
             <a:ext cx="8161687" cy="4680000"/>
           </a:xfrm>
           <a:prstGeom prst="rect">
@@ -6683,7 +6642,7 @@
         </p:blipFill>
         <p:spPr>
           <a:xfrm>
-            <a:off x="14254480" y="7908925"/>
+            <a:off x="14712950" y="6814185"/>
             <a:ext cx="5715000" cy="4311650"/>
           </a:xfrm>
           <a:prstGeom prst="rect">
@@ -6707,7 +6666,7 @@
         </p:blipFill>
         <p:spPr>
           <a:xfrm>
-            <a:off x="20216495" y="7908925"/>
+            <a:off x="15109825" y="15475585"/>
             <a:ext cx="7512050" cy="3752850"/>
           </a:xfrm>
           <a:prstGeom prst="rect">
@@ -6731,7 +6690,7 @@
         </p:blipFill>
         <p:spPr>
           <a:xfrm>
-            <a:off x="15627350" y="13157200"/>
+            <a:off x="15071725" y="11387455"/>
             <a:ext cx="7550150" cy="3752850"/>
           </a:xfrm>
           <a:prstGeom prst="rect">
@@ -6739,6 +6698,405 @@
           </a:prstGeom>
         </p:spPr>
       </p:pic>
+      <p:sp>
+        <p:nvSpPr>
+          <p:cNvPr id="6" name="Rectangle 86"/>
+          <p:cNvSpPr/>
+          <p:nvPr/>
+        </p:nvSpPr>
+        <p:spPr>
+          <a:xfrm>
+            <a:off x="7051675" y="11804650"/>
+            <a:ext cx="6847840" cy="4015740"/>
+          </a:xfrm>
+          <a:prstGeom prst="rect">
+            <a:avLst/>
+          </a:prstGeom>
+          <a:noFill/>
+          <a:ln w="9525">
+            <a:noFill/>
+          </a:ln>
+        </p:spPr>
+        <p:txBody>
+          <a:bodyPr>
+            <a:noAutofit/>
+          </a:bodyPr>
+          <a:p>
+            <a:pPr indent="457200" algn="just" defTabSz="916305" eaLnBrk="1" hangingPunct="1">
+              <a:lnSpc>
+                <a:spcPts val="5000"/>
+              </a:lnSpc>
+              <a:spcBef>
+                <a:spcPts val="1800"/>
+              </a:spcBef>
+            </a:pPr>
+            <a:r>
+              <a:rPr lang="en-IE" altLang="en-US" sz="3600" dirty="0">
+                <a:latin typeface="Helvetica" charset="0"/>
+              </a:rPr>
+              <a:t>The data was collected from different type of context, including revelant aspect as Education, Age, Marital Status, type of Employment and Residence, as it can be seen aside.</a:t>
+            </a:r>
+            <a:endParaRPr lang="en-GB" altLang="en-US" sz="3600" dirty="0">
+              <a:latin typeface="Helvetica" charset="0"/>
+            </a:endParaRPr>
+          </a:p>
+          <a:p>
+            <a:pPr indent="457200" algn="just" defTabSz="916305" eaLnBrk="1" hangingPunct="1">
+              <a:lnSpc>
+                <a:spcPts val="5000"/>
+              </a:lnSpc>
+              <a:spcBef>
+                <a:spcPts val="1800"/>
+              </a:spcBef>
+            </a:pPr>
+            <a:endParaRPr lang="en-GB" altLang="en-US" sz="3600" dirty="0">
+              <a:latin typeface="Helvetica" charset="0"/>
+            </a:endParaRPr>
+          </a:p>
+        </p:txBody>
+      </p:sp>
+      <p:sp>
+        <p:nvSpPr>
+          <p:cNvPr id="8" name="Rectangle 86"/>
+          <p:cNvSpPr/>
+          <p:nvPr/>
+        </p:nvSpPr>
+        <p:spPr>
+          <a:xfrm>
+            <a:off x="6898005" y="16116300"/>
+            <a:ext cx="7000875" cy="3112135"/>
+          </a:xfrm>
+          <a:prstGeom prst="rect">
+            <a:avLst/>
+          </a:prstGeom>
+          <a:noFill/>
+          <a:ln w="9525">
+            <a:noFill/>
+          </a:ln>
+        </p:spPr>
+        <p:txBody>
+          <a:bodyPr>
+            <a:noAutofit/>
+          </a:bodyPr>
+          <a:p>
+            <a:pPr indent="457200" algn="just" defTabSz="916305" eaLnBrk="1" hangingPunct="1">
+              <a:lnSpc>
+                <a:spcPts val="5000"/>
+              </a:lnSpc>
+              <a:spcBef>
+                <a:spcPts val="1800"/>
+              </a:spcBef>
+            </a:pPr>
+            <a:r>
+              <a:rPr lang="en-IE" altLang="en-GB" sz="3600" dirty="0">
+                <a:latin typeface="Helvetica" charset="0"/>
+              </a:rPr>
+              <a:t>The questions was made from 2000 until 2017, showing changes accros the time, probably because socail trends.</a:t>
+            </a:r>
+            <a:endParaRPr lang="en-GB" altLang="en-US" sz="3600" dirty="0">
+              <a:latin typeface="Helvetica" charset="0"/>
+            </a:endParaRPr>
+          </a:p>
+          <a:p>
+            <a:pPr indent="457200" algn="just" defTabSz="916305" eaLnBrk="1" hangingPunct="1">
+              <a:lnSpc>
+                <a:spcPts val="5000"/>
+              </a:lnSpc>
+              <a:spcBef>
+                <a:spcPts val="1800"/>
+              </a:spcBef>
+            </a:pPr>
+            <a:endParaRPr lang="en-GB" altLang="en-US" sz="3600" dirty="0">
+              <a:latin typeface="Helvetica" charset="0"/>
+            </a:endParaRPr>
+          </a:p>
+        </p:txBody>
+      </p:sp>
+      <p:sp>
+        <p:nvSpPr>
+          <p:cNvPr id="9" name="Rectangle 86"/>
+          <p:cNvSpPr/>
+          <p:nvPr/>
+        </p:nvSpPr>
+        <p:spPr>
+          <a:xfrm>
+            <a:off x="22621875" y="6814185"/>
+            <a:ext cx="6224905" cy="3956050"/>
+          </a:xfrm>
+          <a:prstGeom prst="rect">
+            <a:avLst/>
+          </a:prstGeom>
+          <a:noFill/>
+          <a:ln w="9525">
+            <a:noFill/>
+          </a:ln>
+        </p:spPr>
+        <p:txBody>
+          <a:bodyPr>
+            <a:noAutofit/>
+          </a:bodyPr>
+          <a:p>
+            <a:pPr indent="457200" algn="just" defTabSz="916305" eaLnBrk="1" hangingPunct="1">
+              <a:lnSpc>
+                <a:spcPts val="5000"/>
+              </a:lnSpc>
+              <a:spcBef>
+                <a:spcPts val="1800"/>
+              </a:spcBef>
+            </a:pPr>
+            <a:r>
+              <a:rPr lang="en-IE" altLang="en-GB" sz="3600" dirty="0">
+                <a:latin typeface="Helvetica" charset="0"/>
+              </a:rPr>
+              <a:t>Multiples patterns can be seen for each of the questions made. Easily is noted that higher education shows less agreement to violence. </a:t>
+            </a:r>
+            <a:endParaRPr lang="en-GB" altLang="en-US" sz="3600" dirty="0">
+              <a:latin typeface="Helvetica" charset="0"/>
+            </a:endParaRPr>
+          </a:p>
+          <a:p>
+            <a:pPr indent="457200" algn="just" defTabSz="916305" eaLnBrk="1" hangingPunct="1">
+              <a:lnSpc>
+                <a:spcPts val="5000"/>
+              </a:lnSpc>
+              <a:spcBef>
+                <a:spcPts val="1800"/>
+              </a:spcBef>
+            </a:pPr>
+            <a:endParaRPr lang="en-GB" altLang="en-US" sz="3600" dirty="0">
+              <a:latin typeface="Helvetica" charset="0"/>
+            </a:endParaRPr>
+          </a:p>
+        </p:txBody>
+      </p:sp>
+      <p:sp>
+        <p:nvSpPr>
+          <p:cNvPr id="11" name="Rectangle 86"/>
+          <p:cNvSpPr/>
+          <p:nvPr/>
+        </p:nvSpPr>
+        <p:spPr>
+          <a:xfrm>
+            <a:off x="22621875" y="11125835"/>
+            <a:ext cx="6224905" cy="3898900"/>
+          </a:xfrm>
+          <a:prstGeom prst="rect">
+            <a:avLst/>
+          </a:prstGeom>
+          <a:noFill/>
+          <a:ln w="9525">
+            <a:noFill/>
+          </a:ln>
+        </p:spPr>
+        <p:txBody>
+          <a:bodyPr>
+            <a:noAutofit/>
+          </a:bodyPr>
+          <a:p>
+            <a:pPr indent="457200" algn="just" defTabSz="916305" eaLnBrk="1" hangingPunct="1">
+              <a:lnSpc>
+                <a:spcPts val="5000"/>
+              </a:lnSpc>
+              <a:spcBef>
+                <a:spcPts val="1800"/>
+              </a:spcBef>
+            </a:pPr>
+            <a:r>
+              <a:rPr lang="en-IE" altLang="en-GB" sz="3600" dirty="0">
+                <a:latin typeface="Helvetica" charset="0"/>
+              </a:rPr>
+              <a:t>In the chart aside it is shown the 5 countries where  there are less average agreement to violence.                                                     </a:t>
+            </a:r>
+            <a:endParaRPr lang="en-GB" altLang="en-US" sz="3600" dirty="0">
+              <a:latin typeface="Helvetica" charset="0"/>
+            </a:endParaRPr>
+          </a:p>
+          <a:p>
+            <a:pPr indent="457200" algn="just" defTabSz="916305" eaLnBrk="1" hangingPunct="1">
+              <a:lnSpc>
+                <a:spcPts val="5000"/>
+              </a:lnSpc>
+              <a:spcBef>
+                <a:spcPts val="1800"/>
+              </a:spcBef>
+            </a:pPr>
+            <a:endParaRPr lang="en-GB" altLang="en-US" sz="3600" dirty="0">
+              <a:latin typeface="Helvetica" charset="0"/>
+            </a:endParaRPr>
+          </a:p>
+        </p:txBody>
+      </p:sp>
+      <p:sp>
+        <p:nvSpPr>
+          <p:cNvPr id="12" name="Rectangle 86"/>
+          <p:cNvSpPr/>
+          <p:nvPr/>
+        </p:nvSpPr>
+        <p:spPr>
+          <a:xfrm>
+            <a:off x="22621875" y="15521305"/>
+            <a:ext cx="6224905" cy="3898900"/>
+          </a:xfrm>
+          <a:prstGeom prst="rect">
+            <a:avLst/>
+          </a:prstGeom>
+          <a:noFill/>
+          <a:ln w="9525">
+            <a:noFill/>
+          </a:ln>
+        </p:spPr>
+        <p:txBody>
+          <a:bodyPr>
+            <a:noAutofit/>
+          </a:bodyPr>
+          <a:p>
+            <a:pPr indent="457200" algn="just" defTabSz="916305" eaLnBrk="1" hangingPunct="1">
+              <a:lnSpc>
+                <a:spcPts val="5000"/>
+              </a:lnSpc>
+              <a:spcBef>
+                <a:spcPts val="1800"/>
+              </a:spcBef>
+            </a:pPr>
+            <a:r>
+              <a:rPr lang="en-IE" altLang="en-GB" sz="3600" dirty="0">
+                <a:latin typeface="Helvetica" charset="0"/>
+              </a:rPr>
+              <a:t>In demographics responses it can be seen a pattern that shows a big city profile.</a:t>
+            </a:r>
+            <a:endParaRPr lang="en-GB" altLang="en-US" sz="3600" dirty="0">
+              <a:latin typeface="Helvetica" charset="0"/>
+            </a:endParaRPr>
+          </a:p>
+          <a:p>
+            <a:pPr indent="457200" algn="just" defTabSz="916305" eaLnBrk="1" hangingPunct="1">
+              <a:lnSpc>
+                <a:spcPts val="5000"/>
+              </a:lnSpc>
+              <a:spcBef>
+                <a:spcPts val="1800"/>
+              </a:spcBef>
+            </a:pPr>
+            <a:endParaRPr lang="en-GB" altLang="en-US" sz="3600" dirty="0">
+              <a:latin typeface="Helvetica" charset="0"/>
+            </a:endParaRPr>
+          </a:p>
+        </p:txBody>
+      </p:sp>
+      <p:sp>
+        <p:nvSpPr>
+          <p:cNvPr id="17" name="Rectangle 86"/>
+          <p:cNvSpPr/>
+          <p:nvPr/>
+        </p:nvSpPr>
+        <p:spPr>
+          <a:xfrm>
+            <a:off x="37854890" y="7429500"/>
+            <a:ext cx="4326890" cy="4686300"/>
+          </a:xfrm>
+          <a:prstGeom prst="rect">
+            <a:avLst/>
+          </a:prstGeom>
+          <a:noFill/>
+          <a:ln w="9525">
+            <a:noFill/>
+          </a:ln>
+        </p:spPr>
+        <p:txBody>
+          <a:bodyPr>
+            <a:noAutofit/>
+          </a:bodyPr>
+          <a:p>
+            <a:pPr indent="457200" algn="just" defTabSz="916305" eaLnBrk="1" hangingPunct="1">
+              <a:lnSpc>
+                <a:spcPts val="5000"/>
+              </a:lnSpc>
+              <a:spcBef>
+                <a:spcPts val="1800"/>
+              </a:spcBef>
+            </a:pPr>
+            <a:r>
+              <a:rPr lang="en-IE" altLang="en-GB" sz="3600" dirty="0">
+                <a:latin typeface="Helvetica" charset="0"/>
+              </a:rPr>
+              <a:t>Something that is expected is higher education levels responses showing less accordance to  violence.</a:t>
+            </a:r>
+            <a:endParaRPr lang="en-GB" altLang="en-US" sz="3600" dirty="0">
+              <a:latin typeface="Helvetica" charset="0"/>
+            </a:endParaRPr>
+          </a:p>
+          <a:p>
+            <a:pPr indent="457200" algn="just" defTabSz="916305" eaLnBrk="1" hangingPunct="1">
+              <a:lnSpc>
+                <a:spcPts val="5000"/>
+              </a:lnSpc>
+              <a:spcBef>
+                <a:spcPts val="1800"/>
+              </a:spcBef>
+            </a:pPr>
+            <a:endParaRPr lang="en-GB" altLang="en-US" sz="3600" dirty="0">
+              <a:latin typeface="Helvetica" charset="0"/>
+            </a:endParaRPr>
+          </a:p>
+        </p:txBody>
+      </p:sp>
+      <p:sp>
+        <p:nvSpPr>
+          <p:cNvPr id="20" name="Rectangle 86"/>
+          <p:cNvSpPr/>
+          <p:nvPr/>
+        </p:nvSpPr>
+        <p:spPr>
+          <a:xfrm>
+            <a:off x="37854255" y="12799695"/>
+            <a:ext cx="4514215" cy="4686300"/>
+          </a:xfrm>
+          <a:prstGeom prst="rect">
+            <a:avLst/>
+          </a:prstGeom>
+          <a:noFill/>
+          <a:ln w="9525">
+            <a:noFill/>
+          </a:ln>
+        </p:spPr>
+        <p:txBody>
+          <a:bodyPr>
+            <a:noAutofit/>
+          </a:bodyPr>
+          <a:p>
+            <a:pPr indent="457200" algn="just" defTabSz="916305" eaLnBrk="1" hangingPunct="1">
+              <a:lnSpc>
+                <a:spcPts val="5000"/>
+              </a:lnSpc>
+              <a:spcBef>
+                <a:spcPts val="1800"/>
+              </a:spcBef>
+            </a:pPr>
+            <a:r>
+              <a:rPr lang="en-IE" altLang="en-GB" sz="3600" dirty="0">
+                <a:latin typeface="Helvetica" charset="0"/>
+              </a:rPr>
+              <a:t>However, surpringly, women responses agreeing with violence was higher than men responses.</a:t>
+            </a:r>
+            <a:endParaRPr lang="en-GB" altLang="en-US" sz="3600" dirty="0">
+              <a:latin typeface="Helvetica" charset="0"/>
+            </a:endParaRPr>
+          </a:p>
+          <a:p>
+            <a:pPr indent="457200" algn="just" defTabSz="916305" eaLnBrk="1" hangingPunct="1">
+              <a:lnSpc>
+                <a:spcPts val="5000"/>
+              </a:lnSpc>
+              <a:spcBef>
+                <a:spcPts val="1800"/>
+              </a:spcBef>
+            </a:pPr>
+            <a:endParaRPr lang="en-GB" altLang="en-US" sz="3600" dirty="0">
+              <a:latin typeface="Helvetica" charset="0"/>
+            </a:endParaRPr>
+          </a:p>
+        </p:txBody>
+      </p:sp>
     </p:spTree>
   </p:cSld>
   <p:clrMapOvr>
